--- a/IMBelsuit_IMOD_UML05.pptx
+++ b/IMBelsuit_IMOD_UML05.pptx
@@ -5,19 +5,21 @@
     <p:sldMasterId id="2147483648" r:id="rId1"/>
   </p:sldMasterIdLst>
   <p:notesMasterIdLst>
-    <p:notesMasterId r:id="rId9"/>
+    <p:notesMasterId r:id="rId11"/>
   </p:notesMasterIdLst>
   <p:handoutMasterIdLst>
-    <p:handoutMasterId r:id="rId10"/>
+    <p:handoutMasterId r:id="rId12"/>
   </p:handoutMasterIdLst>
   <p:sldIdLst>
     <p:sldId id="256" r:id="rId2"/>
-    <p:sldId id="281" r:id="rId3"/>
-    <p:sldId id="282" r:id="rId4"/>
-    <p:sldId id="283" r:id="rId5"/>
-    <p:sldId id="284" r:id="rId6"/>
-    <p:sldId id="285" r:id="rId7"/>
-    <p:sldId id="287" r:id="rId8"/>
+    <p:sldId id="287" r:id="rId3"/>
+    <p:sldId id="281" r:id="rId4"/>
+    <p:sldId id="282" r:id="rId5"/>
+    <p:sldId id="288" r:id="rId6"/>
+    <p:sldId id="289" r:id="rId7"/>
+    <p:sldId id="283" r:id="rId8"/>
+    <p:sldId id="284" r:id="rId9"/>
+    <p:sldId id="285" r:id="rId10"/>
   </p:sldIdLst>
   <p:sldSz cx="9144000" cy="6858000" type="screen4x3"/>
   <p:notesSz cx="7019925" cy="9305925"/>
@@ -278,7 +280,7 @@
     </p:spTree>
     <p:extLst>
       <p:ext uri="{BB962C8B-B14F-4D97-AF65-F5344CB8AC3E}">
-        <p14:creationId xmlns:p14="http://schemas.microsoft.com/office/powerpoint/2010/main" xmlns="" val="2270529149"/>
+        <p14:creationId xmlns="" xmlns:p14="http://schemas.microsoft.com/office/powerpoint/2010/main" val="2270529149"/>
       </p:ext>
     </p:extLst>
   </p:cSld>
@@ -539,7 +541,7 @@
     </p:spTree>
     <p:extLst>
       <p:ext uri="{BB962C8B-B14F-4D97-AF65-F5344CB8AC3E}">
-        <p14:creationId xmlns:p14="http://schemas.microsoft.com/office/powerpoint/2010/main" xmlns="" val="3636464660"/>
+        <p14:creationId xmlns="" xmlns:p14="http://schemas.microsoft.com/office/powerpoint/2010/main" val="3636464660"/>
       </p:ext>
     </p:extLst>
   </p:cSld>
@@ -831,7 +833,7 @@
           <a:blip r:embed="rId2" cstate="print">
             <a:extLst>
               <a:ext uri="{28A0092B-C50C-407E-A947-70E740481C1C}">
-                <a14:useLocalDpi xmlns:a14="http://schemas.microsoft.com/office/drawing/2010/main" xmlns="" val="0"/>
+                <a14:useLocalDpi xmlns="" xmlns:a14="http://schemas.microsoft.com/office/drawing/2010/main" val="0"/>
               </a:ext>
             </a:extLst>
           </a:blip>
@@ -900,7 +902,7 @@
     </p:spTree>
     <p:extLst>
       <p:ext uri="{BB962C8B-B14F-4D97-AF65-F5344CB8AC3E}">
-        <p14:creationId xmlns:p14="http://schemas.microsoft.com/office/powerpoint/2010/main" xmlns="" val="3678984283"/>
+        <p14:creationId xmlns="" xmlns:p14="http://schemas.microsoft.com/office/powerpoint/2010/main" val="3678984283"/>
       </p:ext>
     </p:extLst>
   </p:cSld>
@@ -1046,7 +1048,7 @@
           <a:blip r:embed="rId2" cstate="print">
             <a:extLst>
               <a:ext uri="{28A0092B-C50C-407E-A947-70E740481C1C}">
-                <a14:useLocalDpi xmlns:a14="http://schemas.microsoft.com/office/drawing/2010/main" xmlns="" val="0"/>
+                <a14:useLocalDpi xmlns="" xmlns:a14="http://schemas.microsoft.com/office/drawing/2010/main" val="0"/>
               </a:ext>
             </a:extLst>
           </a:blip>
@@ -1115,7 +1117,7 @@
     </p:spTree>
     <p:extLst>
       <p:ext uri="{BB962C8B-B14F-4D97-AF65-F5344CB8AC3E}">
-        <p14:creationId xmlns:p14="http://schemas.microsoft.com/office/powerpoint/2010/main" xmlns="" val="223194721"/>
+        <p14:creationId xmlns="" xmlns:p14="http://schemas.microsoft.com/office/powerpoint/2010/main" val="223194721"/>
       </p:ext>
     </p:extLst>
   </p:cSld>
@@ -1327,7 +1329,7 @@
           <a:blip r:embed="rId2" cstate="print">
             <a:extLst>
               <a:ext uri="{28A0092B-C50C-407E-A947-70E740481C1C}">
-                <a14:useLocalDpi xmlns:a14="http://schemas.microsoft.com/office/drawing/2010/main" xmlns="" val="0"/>
+                <a14:useLocalDpi xmlns="" xmlns:a14="http://schemas.microsoft.com/office/drawing/2010/main" val="0"/>
               </a:ext>
             </a:extLst>
           </a:blip>
@@ -1396,7 +1398,7 @@
     </p:spTree>
     <p:extLst>
       <p:ext uri="{BB962C8B-B14F-4D97-AF65-F5344CB8AC3E}">
-        <p14:creationId xmlns:p14="http://schemas.microsoft.com/office/powerpoint/2010/main" xmlns="" val="3627630185"/>
+        <p14:creationId xmlns="" xmlns:p14="http://schemas.microsoft.com/office/powerpoint/2010/main" val="3627630185"/>
       </p:ext>
     </p:extLst>
   </p:cSld>
@@ -1464,7 +1466,7 @@
           <a:blip r:embed="rId2" cstate="print">
             <a:extLst>
               <a:ext uri="{28A0092B-C50C-407E-A947-70E740481C1C}">
-                <a14:useLocalDpi xmlns:a14="http://schemas.microsoft.com/office/drawing/2010/main" xmlns="" val="0"/>
+                <a14:useLocalDpi xmlns="" xmlns:a14="http://schemas.microsoft.com/office/drawing/2010/main" val="0"/>
               </a:ext>
             </a:extLst>
           </a:blip>
@@ -1533,7 +1535,7 @@
     </p:spTree>
     <p:extLst>
       <p:ext uri="{BB962C8B-B14F-4D97-AF65-F5344CB8AC3E}">
-        <p14:creationId xmlns:p14="http://schemas.microsoft.com/office/powerpoint/2010/main" xmlns="" val="247022888"/>
+        <p14:creationId xmlns="" xmlns:p14="http://schemas.microsoft.com/office/powerpoint/2010/main" val="247022888"/>
       </p:ext>
     </p:extLst>
   </p:cSld>
@@ -1704,7 +1706,7 @@
           <a:blip r:embed="rId2" cstate="print">
             <a:extLst>
               <a:ext uri="{28A0092B-C50C-407E-A947-70E740481C1C}">
-                <a14:useLocalDpi xmlns:a14="http://schemas.microsoft.com/office/drawing/2010/main" xmlns="" val="0"/>
+                <a14:useLocalDpi xmlns="" xmlns:a14="http://schemas.microsoft.com/office/drawing/2010/main" val="0"/>
               </a:ext>
             </a:extLst>
           </a:blip>
@@ -1773,7 +1775,7 @@
     </p:spTree>
     <p:extLst>
       <p:ext uri="{BB962C8B-B14F-4D97-AF65-F5344CB8AC3E}">
-        <p14:creationId xmlns:p14="http://schemas.microsoft.com/office/powerpoint/2010/main" xmlns="" val="636275373"/>
+        <p14:creationId xmlns="" xmlns:p14="http://schemas.microsoft.com/office/powerpoint/2010/main" val="636275373"/>
       </p:ext>
     </p:extLst>
   </p:cSld>
@@ -2042,7 +2044,7 @@
     </p:spTree>
     <p:extLst>
       <p:ext uri="{BB962C8B-B14F-4D97-AF65-F5344CB8AC3E}">
-        <p14:creationId xmlns:p14="http://schemas.microsoft.com/office/powerpoint/2010/main" xmlns="" val="910269114"/>
+        <p14:creationId xmlns="" xmlns:p14="http://schemas.microsoft.com/office/powerpoint/2010/main" val="910269114"/>
       </p:ext>
     </p:extLst>
   </p:cSld>
@@ -2088,7 +2090,7 @@
           <a:blip r:embed="rId2" cstate="print">
             <a:extLst>
               <a:ext uri="{28A0092B-C50C-407E-A947-70E740481C1C}">
-                <a14:useLocalDpi xmlns:a14="http://schemas.microsoft.com/office/drawing/2010/main" xmlns="" val="0"/>
+                <a14:useLocalDpi xmlns="" xmlns:a14="http://schemas.microsoft.com/office/drawing/2010/main" val="0"/>
               </a:ext>
             </a:extLst>
           </a:blip>
@@ -2339,7 +2341,7 @@
     </p:spTree>
     <p:extLst>
       <p:ext uri="{BB962C8B-B14F-4D97-AF65-F5344CB8AC3E}">
-        <p14:creationId xmlns:p14="http://schemas.microsoft.com/office/powerpoint/2010/main" xmlns="" val="2675497945"/>
+        <p14:creationId xmlns="" xmlns:p14="http://schemas.microsoft.com/office/powerpoint/2010/main" val="2675497945"/>
       </p:ext>
     </p:extLst>
   </p:cSld>
@@ -2463,7 +2465,7 @@
           <a:blip r:embed="rId9" cstate="print">
             <a:extLst>
               <a:ext uri="{28A0092B-C50C-407E-A947-70E740481C1C}">
-                <a14:useLocalDpi xmlns:a14="http://schemas.microsoft.com/office/drawing/2010/main" xmlns="" val="0"/>
+                <a14:useLocalDpi xmlns="" xmlns:a14="http://schemas.microsoft.com/office/drawing/2010/main" val="0"/>
               </a:ext>
             </a:extLst>
           </a:blip>
@@ -2532,7 +2534,7 @@
     </p:spTree>
     <p:extLst>
       <p:ext uri="{BB962C8B-B14F-4D97-AF65-F5344CB8AC3E}">
-        <p14:creationId xmlns:p14="http://schemas.microsoft.com/office/powerpoint/2010/main" xmlns="" val="1235826258"/>
+        <p14:creationId xmlns="" xmlns:p14="http://schemas.microsoft.com/office/powerpoint/2010/main" val="1235826258"/>
       </p:ext>
     </p:extLst>
   </p:cSld>
@@ -2871,7 +2873,7 @@
     </p:spTree>
     <p:extLst>
       <p:ext uri="{BB962C8B-B14F-4D97-AF65-F5344CB8AC3E}">
-        <p14:creationId xmlns:p14="http://schemas.microsoft.com/office/powerpoint/2010/main" xmlns="" val="2757318496"/>
+        <p14:creationId xmlns="" xmlns:p14="http://schemas.microsoft.com/office/powerpoint/2010/main" val="2757318496"/>
       </p:ext>
     </p:extLst>
   </p:cSld>
@@ -2922,15 +2924,55 @@
         </p:blipFill>
         <p:spPr bwMode="auto">
           <a:xfrm>
-            <a:off x="0" y="523875"/>
-            <a:ext cx="9182100" cy="5810250"/>
+            <a:off x="539552" y="1268760"/>
+            <a:ext cx="3819525" cy="5248275"/>
           </a:xfrm>
           <a:prstGeom prst="rect">
             <a:avLst/>
           </a:prstGeom>
           <a:noFill/>
           <a:ln w="9525">
-            <a:noFill/>
+            <a:solidFill>
+              <a:schemeClr val="accent1">
+                <a:alpha val="98000"/>
+              </a:schemeClr>
+            </a:solidFill>
+            <a:miter lim="800000"/>
+            <a:headEnd/>
+            <a:tailEnd/>
+          </a:ln>
+        </p:spPr>
+      </p:pic>
+      <p:pic>
+        <p:nvPicPr>
+          <p:cNvPr id="1027" name="Picture 3"/>
+          <p:cNvPicPr>
+            <a:picLocks noChangeAspect="1" noChangeArrowheads="1"/>
+          </p:cNvPicPr>
+          <p:nvPr/>
+        </p:nvPicPr>
+        <p:blipFill>
+          <a:blip r:embed="rId3" cstate="print"/>
+          <a:srcRect/>
+          <a:stretch>
+            <a:fillRect/>
+          </a:stretch>
+        </p:blipFill>
+        <p:spPr bwMode="auto">
+          <a:xfrm>
+            <a:off x="5004048" y="1268760"/>
+            <a:ext cx="3672408" cy="5256584"/>
+          </a:xfrm>
+          <a:prstGeom prst="rect">
+            <a:avLst/>
+          </a:prstGeom>
+          <a:noFill/>
+          <a:ln w="9525">
+            <a:solidFill>
+              <a:schemeClr val="accent1">
+                <a:alpha val="98000"/>
+              </a:schemeClr>
+            </a:solidFill>
             <a:miter lim="800000"/>
             <a:headEnd/>
             <a:tailEnd/>
@@ -2971,7 +3013,7 @@
       </p:grpSpPr>
       <p:pic>
         <p:nvPicPr>
-          <p:cNvPr id="2050" name="Picture 2"/>
+          <p:cNvPr id="1026" name="Picture 2"/>
           <p:cNvPicPr>
             <a:picLocks noChangeAspect="1" noChangeArrowheads="1"/>
           </p:cNvPicPr>
@@ -2986,8 +3028,8 @@
         </p:blipFill>
         <p:spPr bwMode="auto">
           <a:xfrm>
-            <a:off x="742950" y="1243013"/>
-            <a:ext cx="7658100" cy="4371975"/>
+            <a:off x="0" y="523875"/>
+            <a:ext cx="9182100" cy="5810250"/>
           </a:xfrm>
           <a:prstGeom prst="rect">
             <a:avLst/>
@@ -3017,6 +3059,227 @@
 </file>
 
 <file path=ppt/slides/slide4.xml><?xml version="1.0" encoding="utf-8"?>
+<p:sld xmlns:a="http://schemas.openxmlformats.org/drawingml/2006/main" xmlns:r="http://schemas.openxmlformats.org/officeDocument/2006/relationships" xmlns:p="http://schemas.openxmlformats.org/presentationml/2006/main">
+  <p:cSld>
+    <p:spTree>
+      <p:nvGrpSpPr>
+        <p:cNvPr id="1" name=""/>
+        <p:cNvGrpSpPr/>
+        <p:nvPr/>
+      </p:nvGrpSpPr>
+      <p:grpSpPr>
+        <a:xfrm>
+          <a:off x="0" y="0"/>
+          <a:ext cx="0" cy="0"/>
+          <a:chOff x="0" y="0"/>
+          <a:chExt cx="0" cy="0"/>
+        </a:xfrm>
+      </p:grpSpPr>
+      <p:pic>
+        <p:nvPicPr>
+          <p:cNvPr id="2050" name="Picture 2"/>
+          <p:cNvPicPr>
+            <a:picLocks noChangeAspect="1" noChangeArrowheads="1"/>
+          </p:cNvPicPr>
+          <p:nvPr/>
+        </p:nvPicPr>
+        <p:blipFill>
+          <a:blip r:embed="rId2" cstate="print"/>
+          <a:srcRect/>
+          <a:stretch>
+            <a:fillRect/>
+          </a:stretch>
+        </p:blipFill>
+        <p:spPr bwMode="auto">
+          <a:xfrm>
+            <a:off x="742950" y="1243013"/>
+            <a:ext cx="7658100" cy="4371975"/>
+          </a:xfrm>
+          <a:prstGeom prst="rect">
+            <a:avLst/>
+          </a:prstGeom>
+          <a:noFill/>
+          <a:ln w="9525">
+            <a:noFill/>
+            <a:miter lim="800000"/>
+            <a:headEnd/>
+            <a:tailEnd/>
+          </a:ln>
+        </p:spPr>
+      </p:pic>
+    </p:spTree>
+  </p:cSld>
+  <p:clrMapOvr>
+    <a:masterClrMapping/>
+  </p:clrMapOvr>
+  <p:timing>
+    <p:tnLst>
+      <p:par>
+        <p:cTn id="1" dur="indefinite" restart="never" nodeType="tmRoot"/>
+      </p:par>
+    </p:tnLst>
+  </p:timing>
+</p:sld>
+</file>
+
+<file path=ppt/slides/slide5.xml><?xml version="1.0" encoding="utf-8"?>
+<p:sld xmlns:a="http://schemas.openxmlformats.org/drawingml/2006/main" xmlns:r="http://schemas.openxmlformats.org/officeDocument/2006/relationships" xmlns:p="http://schemas.openxmlformats.org/presentationml/2006/main">
+  <p:cSld>
+    <p:spTree>
+      <p:nvGrpSpPr>
+        <p:cNvPr id="1" name=""/>
+        <p:cNvGrpSpPr/>
+        <p:nvPr/>
+      </p:nvGrpSpPr>
+      <p:grpSpPr>
+        <a:xfrm>
+          <a:off x="0" y="0"/>
+          <a:ext cx="0" cy="0"/>
+          <a:chOff x="0" y="0"/>
+          <a:chExt cx="0" cy="0"/>
+        </a:xfrm>
+      </p:grpSpPr>
+      <p:pic>
+        <p:nvPicPr>
+          <p:cNvPr id="4" name="Afbeelding 3" descr="IMOR principe.wmf"/>
+          <p:cNvPicPr>
+            <a:picLocks noChangeAspect="1"/>
+          </p:cNvPicPr>
+          <p:nvPr/>
+        </p:nvPicPr>
+        <p:blipFill>
+          <a:blip r:embed="rId2" cstate="print"/>
+          <a:stretch>
+            <a:fillRect/>
+          </a:stretch>
+        </p:blipFill>
+        <p:spPr>
+          <a:xfrm>
+            <a:off x="0" y="764704"/>
+            <a:ext cx="9144000" cy="5244111"/>
+          </a:xfrm>
+          <a:prstGeom prst="rect">
+            <a:avLst/>
+          </a:prstGeom>
+        </p:spPr>
+      </p:pic>
+      <p:sp>
+        <p:nvSpPr>
+          <p:cNvPr id="5" name="Tekstvak 4"/>
+          <p:cNvSpPr txBox="1"/>
+          <p:nvPr/>
+        </p:nvSpPr>
+        <p:spPr>
+          <a:xfrm>
+            <a:off x="6228184" y="548680"/>
+            <a:ext cx="1561646" cy="369332"/>
+          </a:xfrm>
+          <a:prstGeom prst="rect">
+            <a:avLst/>
+          </a:prstGeom>
+          <a:noFill/>
+        </p:spPr>
+        <p:txBody>
+          <a:bodyPr wrap="none" rtlCol="0">
+            <a:spAutoFit/>
+          </a:bodyPr>
+          <a:lstStyle/>
+          <a:p>
+            <a:r>
+              <a:rPr lang="nl-NL" b="1" dirty="0" smtClean="0"/>
+              <a:t>IMOR Principe</a:t>
+            </a:r>
+            <a:endParaRPr lang="nl-NL" b="1" dirty="0"/>
+          </a:p>
+        </p:txBody>
+      </p:sp>
+    </p:spTree>
+  </p:cSld>
+  <p:clrMapOvr>
+    <a:masterClrMapping/>
+  </p:clrMapOvr>
+</p:sld>
+</file>
+
+<file path=ppt/slides/slide6.xml><?xml version="1.0" encoding="utf-8"?>
+<p:sld xmlns:a="http://schemas.openxmlformats.org/drawingml/2006/main" xmlns:r="http://schemas.openxmlformats.org/officeDocument/2006/relationships" xmlns:p="http://schemas.openxmlformats.org/presentationml/2006/main">
+  <p:cSld>
+    <p:spTree>
+      <p:nvGrpSpPr>
+        <p:cNvPr id="1" name=""/>
+        <p:cNvGrpSpPr/>
+        <p:nvPr/>
+      </p:nvGrpSpPr>
+      <p:grpSpPr>
+        <a:xfrm>
+          <a:off x="0" y="0"/>
+          <a:ext cx="0" cy="0"/>
+          <a:chOff x="0" y="0"/>
+          <a:chExt cx="0" cy="0"/>
+        </a:xfrm>
+      </p:grpSpPr>
+      <p:pic>
+        <p:nvPicPr>
+          <p:cNvPr id="4" name="Tijdelijke aanduiding voor inhoud 3" descr="IMORmodel.wmf"/>
+          <p:cNvPicPr>
+            <a:picLocks noGrp="1" noChangeAspect="1"/>
+          </p:cNvPicPr>
+          <p:nvPr>
+            <p:ph idx="1"/>
+          </p:nvPr>
+        </p:nvPicPr>
+        <p:blipFill>
+          <a:blip r:embed="rId2" cstate="print"/>
+          <a:stretch>
+            <a:fillRect/>
+          </a:stretch>
+        </p:blipFill>
+        <p:spPr>
+          <a:xfrm>
+            <a:off x="196973" y="836712"/>
+            <a:ext cx="8947027" cy="5401742"/>
+          </a:xfrm>
+        </p:spPr>
+      </p:pic>
+      <p:sp>
+        <p:nvSpPr>
+          <p:cNvPr id="5" name="Tekstvak 4"/>
+          <p:cNvSpPr txBox="1"/>
+          <p:nvPr/>
+        </p:nvSpPr>
+        <p:spPr>
+          <a:xfrm>
+            <a:off x="6228184" y="548680"/>
+            <a:ext cx="1406154" cy="369332"/>
+          </a:xfrm>
+          <a:prstGeom prst="rect">
+            <a:avLst/>
+          </a:prstGeom>
+          <a:noFill/>
+        </p:spPr>
+        <p:txBody>
+          <a:bodyPr wrap="none" rtlCol="0">
+            <a:spAutoFit/>
+          </a:bodyPr>
+          <a:lstStyle/>
+          <a:p>
+            <a:r>
+              <a:rPr lang="nl-NL" b="1" dirty="0" smtClean="0"/>
+              <a:t>IMOR Model</a:t>
+            </a:r>
+            <a:endParaRPr lang="nl-NL" b="1" dirty="0"/>
+          </a:p>
+        </p:txBody>
+      </p:sp>
+    </p:spTree>
+  </p:cSld>
+  <p:clrMapOvr>
+    <a:masterClrMapping/>
+  </p:clrMapOvr>
+</p:sld>
+</file>
+
+<file path=ppt/slides/slide7.xml><?xml version="1.0" encoding="utf-8"?>
 <p:sld xmlns:a="http://schemas.openxmlformats.org/drawingml/2006/main" xmlns:r="http://schemas.openxmlformats.org/officeDocument/2006/relationships" xmlns:p="http://schemas.openxmlformats.org/presentationml/2006/main">
   <p:cSld>
     <p:spTree>
@@ -3293,7 +3556,7 @@
 </p:sld>
 </file>
 
-<file path=ppt/slides/slide5.xml><?xml version="1.0" encoding="utf-8"?>
+<file path=ppt/slides/slide8.xml><?xml version="1.0" encoding="utf-8"?>
 <p:sld xmlns:a="http://schemas.openxmlformats.org/drawingml/2006/main" xmlns:r="http://schemas.openxmlformats.org/officeDocument/2006/relationships" xmlns:p="http://schemas.openxmlformats.org/presentationml/2006/main">
   <p:cSld>
     <p:spTree>
@@ -3310,9 +3573,51 @@
           <a:chExt cx="0" cy="0"/>
         </a:xfrm>
       </p:grpSpPr>
+      <p:sp>
+        <p:nvSpPr>
+          <p:cNvPr id="5" name="Tekstvak 4"/>
+          <p:cNvSpPr txBox="1"/>
+          <p:nvPr/>
+        </p:nvSpPr>
+        <p:spPr>
+          <a:xfrm>
+            <a:off x="5220072" y="4797152"/>
+            <a:ext cx="2269019" cy="923330"/>
+          </a:xfrm>
+          <a:prstGeom prst="rect">
+            <a:avLst/>
+          </a:prstGeom>
+          <a:noFill/>
+        </p:spPr>
+        <p:txBody>
+          <a:bodyPr wrap="none" rtlCol="0">
+            <a:spAutoFit/>
+          </a:bodyPr>
+          <a:lstStyle/>
+          <a:p>
+            <a:r>
+              <a:rPr lang="nl-NL" dirty="0" smtClean="0"/>
+              <a:t>Plus systematiek voor:</a:t>
+            </a:r>
+          </a:p>
+          <a:p>
+            <a:r>
+              <a:rPr lang="nl-NL" dirty="0" smtClean="0"/>
+              <a:t>Identificatie</a:t>
+            </a:r>
+          </a:p>
+          <a:p>
+            <a:r>
+              <a:rPr lang="nl-NL" dirty="0" smtClean="0"/>
+              <a:t>Temporeel model</a:t>
+            </a:r>
+            <a:endParaRPr lang="nl-NL" dirty="0"/>
+          </a:p>
+        </p:txBody>
+      </p:sp>
       <p:pic>
         <p:nvPicPr>
-          <p:cNvPr id="4" name="Afbeelding 3" descr="IMBesluit.wmf"/>
+          <p:cNvPr id="6" name="Afbeelding 5" descr="IMBesluit.wmf"/>
           <p:cNvPicPr>
             <a:picLocks noChangeAspect="1"/>
           </p:cNvPicPr>
@@ -3326,7 +3631,7 @@
         </p:blipFill>
         <p:spPr>
           <a:xfrm>
-            <a:off x="395536" y="476672"/>
+            <a:off x="899592" y="620688"/>
             <a:ext cx="6352337" cy="5588813"/>
           </a:xfrm>
           <a:prstGeom prst="rect">
@@ -3334,48 +3639,6 @@
           </a:prstGeom>
         </p:spPr>
       </p:pic>
-      <p:sp>
-        <p:nvSpPr>
-          <p:cNvPr id="5" name="Tekstvak 4"/>
-          <p:cNvSpPr txBox="1"/>
-          <p:nvPr/>
-        </p:nvSpPr>
-        <p:spPr>
-          <a:xfrm>
-            <a:off x="5220072" y="4797152"/>
-            <a:ext cx="2269019" cy="923330"/>
-          </a:xfrm>
-          <a:prstGeom prst="rect">
-            <a:avLst/>
-          </a:prstGeom>
-          <a:noFill/>
-        </p:spPr>
-        <p:txBody>
-          <a:bodyPr wrap="none" rtlCol="0">
-            <a:spAutoFit/>
-          </a:bodyPr>
-          <a:lstStyle/>
-          <a:p>
-            <a:r>
-              <a:rPr lang="nl-NL" dirty="0" smtClean="0"/>
-              <a:t>Plus systematiek voor:</a:t>
-            </a:r>
-          </a:p>
-          <a:p>
-            <a:r>
-              <a:rPr lang="nl-NL" dirty="0" smtClean="0"/>
-              <a:t>Identificatie</a:t>
-            </a:r>
-          </a:p>
-          <a:p>
-            <a:r>
-              <a:rPr lang="nl-NL" dirty="0" smtClean="0"/>
-              <a:t>Temporeel model</a:t>
-            </a:r>
-            <a:endParaRPr lang="nl-NL" dirty="0"/>
-          </a:p>
-        </p:txBody>
-      </p:sp>
     </p:spTree>
   </p:cSld>
   <p:clrMapOvr>
@@ -3391,7 +3654,7 @@
 </p:sld>
 </file>
 
-<file path=ppt/slides/slide6.xml><?xml version="1.0" encoding="utf-8"?>
+<file path=ppt/slides/slide9.xml><?xml version="1.0" encoding="utf-8"?>
 <p:sld xmlns:a="http://schemas.openxmlformats.org/drawingml/2006/main" xmlns:r="http://schemas.openxmlformats.org/officeDocument/2006/relationships" xmlns:p="http://schemas.openxmlformats.org/presentationml/2006/main">
   <p:cSld>
     <p:spTree>
@@ -3430,110 +3693,6 @@
           <a:prstGeom prst="rect">
             <a:avLst/>
           </a:prstGeom>
-        </p:spPr>
-      </p:pic>
-    </p:spTree>
-  </p:cSld>
-  <p:clrMapOvr>
-    <a:masterClrMapping/>
-  </p:clrMapOvr>
-  <p:timing>
-    <p:tnLst>
-      <p:par>
-        <p:cTn id="1" dur="indefinite" restart="never" nodeType="tmRoot"/>
-      </p:par>
-    </p:tnLst>
-  </p:timing>
-</p:sld>
-</file>
-
-<file path=ppt/slides/slide7.xml><?xml version="1.0" encoding="utf-8"?>
-<p:sld xmlns:a="http://schemas.openxmlformats.org/drawingml/2006/main" xmlns:r="http://schemas.openxmlformats.org/officeDocument/2006/relationships" xmlns:p="http://schemas.openxmlformats.org/presentationml/2006/main">
-  <p:cSld>
-    <p:spTree>
-      <p:nvGrpSpPr>
-        <p:cNvPr id="1" name=""/>
-        <p:cNvGrpSpPr/>
-        <p:nvPr/>
-      </p:nvGrpSpPr>
-      <p:grpSpPr>
-        <a:xfrm>
-          <a:off x="0" y="0"/>
-          <a:ext cx="0" cy="0"/>
-          <a:chOff x="0" y="0"/>
-          <a:chExt cx="0" cy="0"/>
-        </a:xfrm>
-      </p:grpSpPr>
-      <p:pic>
-        <p:nvPicPr>
-          <p:cNvPr id="1026" name="Picture 2"/>
-          <p:cNvPicPr>
-            <a:picLocks noChangeAspect="1" noChangeArrowheads="1"/>
-          </p:cNvPicPr>
-          <p:nvPr/>
-        </p:nvPicPr>
-        <p:blipFill>
-          <a:blip r:embed="rId2" cstate="print"/>
-          <a:srcRect/>
-          <a:stretch>
-            <a:fillRect/>
-          </a:stretch>
-        </p:blipFill>
-        <p:spPr bwMode="auto">
-          <a:xfrm>
-            <a:off x="539552" y="1268760"/>
-            <a:ext cx="3819525" cy="5248275"/>
-          </a:xfrm>
-          <a:prstGeom prst="rect">
-            <a:avLst/>
-          </a:prstGeom>
-          <a:noFill/>
-          <a:ln w="9525">
-            <a:solidFill>
-              <a:schemeClr val="accent1">
-                <a:alpha val="98000"/>
-              </a:schemeClr>
-            </a:solidFill>
-            <a:miter lim="800000"/>
-            <a:headEnd/>
-            <a:tailEnd/>
-          </a:ln>
-        </p:spPr>
-      </p:pic>
-      <p:pic>
-        <p:nvPicPr>
-          <p:cNvPr id="1027" name="Picture 3"/>
-          <p:cNvPicPr>
-            <a:picLocks noChangeAspect="1" noChangeArrowheads="1"/>
-          </p:cNvPicPr>
-          <p:nvPr/>
-        </p:nvPicPr>
-        <p:blipFill>
-          <a:blip r:embed="rId3" cstate="print"/>
-          <a:srcRect/>
-          <a:stretch>
-            <a:fillRect/>
-          </a:stretch>
-        </p:blipFill>
-        <p:spPr bwMode="auto">
-          <a:xfrm>
-            <a:off x="5004048" y="1268760"/>
-            <a:ext cx="3672408" cy="5256584"/>
-          </a:xfrm>
-          <a:prstGeom prst="rect">
-            <a:avLst/>
-          </a:prstGeom>
-          <a:noFill/>
-          <a:ln w="9525">
-            <a:solidFill>
-              <a:schemeClr val="accent1">
-                <a:alpha val="98000"/>
-              </a:schemeClr>
-            </a:solidFill>
-            <a:miter lim="800000"/>
-            <a:headEnd/>
-            <a:tailEnd/>
-          </a:ln>
         </p:spPr>
       </p:pic>
     </p:spTree>
